--- a/working/logoWorkingTable.pptx
+++ b/working/logoWorkingTable.pptx
@@ -260,7 +260,7 @@
           <a:p>
             <a:fld id="{16C40A04-57FF-4870-88B7-C05ADD528A97}" type="datetimeFigureOut">
               <a:rPr kumimoji="1" lang="ja-JP" altLang="en-US" smtClean="0"/>
-              <a:t>2020/5/15</a:t>
+              <a:t>2020/5/25</a:t>
             </a:fld>
             <a:endParaRPr kumimoji="1" lang="ja-JP" altLang="en-US"/>
           </a:p>
@@ -490,7 +490,7 @@
           <a:p>
             <a:fld id="{16C40A04-57FF-4870-88B7-C05ADD528A97}" type="datetimeFigureOut">
               <a:rPr kumimoji="1" lang="ja-JP" altLang="en-US" smtClean="0"/>
-              <a:t>2020/5/15</a:t>
+              <a:t>2020/5/25</a:t>
             </a:fld>
             <a:endParaRPr kumimoji="1" lang="ja-JP" altLang="en-US"/>
           </a:p>
@@ -730,7 +730,7 @@
           <a:p>
             <a:fld id="{16C40A04-57FF-4870-88B7-C05ADD528A97}" type="datetimeFigureOut">
               <a:rPr kumimoji="1" lang="ja-JP" altLang="en-US" smtClean="0"/>
-              <a:t>2020/5/15</a:t>
+              <a:t>2020/5/25</a:t>
             </a:fld>
             <a:endParaRPr kumimoji="1" lang="ja-JP" altLang="en-US"/>
           </a:p>
@@ -960,7 +960,7 @@
           <a:p>
             <a:fld id="{16C40A04-57FF-4870-88B7-C05ADD528A97}" type="datetimeFigureOut">
               <a:rPr kumimoji="1" lang="ja-JP" altLang="en-US" smtClean="0"/>
-              <a:t>2020/5/15</a:t>
+              <a:t>2020/5/25</a:t>
             </a:fld>
             <a:endParaRPr kumimoji="1" lang="ja-JP" altLang="en-US"/>
           </a:p>
@@ -1235,7 +1235,7 @@
           <a:p>
             <a:fld id="{16C40A04-57FF-4870-88B7-C05ADD528A97}" type="datetimeFigureOut">
               <a:rPr kumimoji="1" lang="ja-JP" altLang="en-US" smtClean="0"/>
-              <a:t>2020/5/15</a:t>
+              <a:t>2020/5/25</a:t>
             </a:fld>
             <a:endParaRPr kumimoji="1" lang="ja-JP" altLang="en-US"/>
           </a:p>
@@ -1564,7 +1564,7 @@
           <a:p>
             <a:fld id="{16C40A04-57FF-4870-88B7-C05ADD528A97}" type="datetimeFigureOut">
               <a:rPr kumimoji="1" lang="ja-JP" altLang="en-US" smtClean="0"/>
-              <a:t>2020/5/15</a:t>
+              <a:t>2020/5/25</a:t>
             </a:fld>
             <a:endParaRPr kumimoji="1" lang="ja-JP" altLang="en-US"/>
           </a:p>
@@ -2040,7 +2040,7 @@
           <a:p>
             <a:fld id="{16C40A04-57FF-4870-88B7-C05ADD528A97}" type="datetimeFigureOut">
               <a:rPr kumimoji="1" lang="ja-JP" altLang="en-US" smtClean="0"/>
-              <a:t>2020/5/15</a:t>
+              <a:t>2020/5/25</a:t>
             </a:fld>
             <a:endParaRPr kumimoji="1" lang="ja-JP" altLang="en-US"/>
           </a:p>
@@ -2181,7 +2181,7 @@
           <a:p>
             <a:fld id="{16C40A04-57FF-4870-88B7-C05ADD528A97}" type="datetimeFigureOut">
               <a:rPr kumimoji="1" lang="ja-JP" altLang="en-US" smtClean="0"/>
-              <a:t>2020/5/15</a:t>
+              <a:t>2020/5/25</a:t>
             </a:fld>
             <a:endParaRPr kumimoji="1" lang="ja-JP" altLang="en-US"/>
           </a:p>
@@ -2294,7 +2294,7 @@
           <a:p>
             <a:fld id="{16C40A04-57FF-4870-88B7-C05ADD528A97}" type="datetimeFigureOut">
               <a:rPr kumimoji="1" lang="ja-JP" altLang="en-US" smtClean="0"/>
-              <a:t>2020/5/15</a:t>
+              <a:t>2020/5/25</a:t>
             </a:fld>
             <a:endParaRPr kumimoji="1" lang="ja-JP" altLang="en-US"/>
           </a:p>
@@ -2637,7 +2637,7 @@
           <a:p>
             <a:fld id="{16C40A04-57FF-4870-88B7-C05ADD528A97}" type="datetimeFigureOut">
               <a:rPr kumimoji="1" lang="ja-JP" altLang="en-US" smtClean="0"/>
-              <a:t>2020/5/15</a:t>
+              <a:t>2020/5/25</a:t>
             </a:fld>
             <a:endParaRPr kumimoji="1" lang="ja-JP" altLang="en-US"/>
           </a:p>
@@ -2925,7 +2925,7 @@
           <a:p>
             <a:fld id="{16C40A04-57FF-4870-88B7-C05ADD528A97}" type="datetimeFigureOut">
               <a:rPr kumimoji="1" lang="ja-JP" altLang="en-US" smtClean="0"/>
-              <a:t>2020/5/15</a:t>
+              <a:t>2020/5/25</a:t>
             </a:fld>
             <a:endParaRPr kumimoji="1" lang="ja-JP" altLang="en-US"/>
           </a:p>
@@ -3198,7 +3198,7 @@
           <a:p>
             <a:fld id="{16C40A04-57FF-4870-88B7-C05ADD528A97}" type="datetimeFigureOut">
               <a:rPr kumimoji="1" lang="ja-JP" altLang="en-US" smtClean="0"/>
-              <a:t>2020/5/15</a:t>
+              <a:t>2020/5/25</a:t>
             </a:fld>
             <a:endParaRPr kumimoji="1" lang="ja-JP" altLang="en-US"/>
           </a:p>
@@ -3806,7 +3806,7 @@
         </p:nvSpPr>
         <p:spPr>
           <a:xfrm>
-            <a:off x="1727201" y="0"/>
+            <a:off x="1714138" y="1"/>
             <a:ext cx="9820366" cy="6857999"/>
           </a:xfrm>
           <a:prstGeom prst="rect">
@@ -3920,8 +3920,8 @@
           </p:nvSpPr>
           <p:spPr>
             <a:xfrm>
-              <a:off x="4826260" y="2638499"/>
-              <a:ext cx="2539478" cy="523220"/>
+              <a:off x="3648854" y="2638499"/>
+              <a:ext cx="4894289" cy="523220"/>
             </a:xfrm>
             <a:prstGeom prst="rect">
               <a:avLst/>
@@ -3935,17 +3935,17 @@
             <a:lstStyle/>
             <a:p>
               <a:r>
-                <a:rPr kumimoji="1" lang="en-US" altLang="ja-JP" sz="2800" b="1" dirty="0" err="1">
+                <a:rPr lang="en-US" altLang="ja-JP" sz="2800" b="1" dirty="0">
                   <a:solidFill>
                     <a:schemeClr val="bg1"/>
                   </a:solidFill>
                   <a:latin typeface="ＭＳ ゴシック" panose="020B0609070205080204" pitchFamily="49" charset="-128"/>
                   <a:ea typeface="ＭＳ ゴシック" panose="020B0609070205080204" pitchFamily="49" charset="-128"/>
                 </a:rPr>
-                <a:t>Robocon</a:t>
+                <a:t>NIT, Akita</a:t>
               </a:r>
               <a:r>
-                <a:rPr kumimoji="1" lang="ja-JP" altLang="en-US" sz="2800" b="1" dirty="0">
+                <a:rPr lang="ja-JP" altLang="en-US" sz="2800" b="1" dirty="0">
                   <a:solidFill>
                     <a:schemeClr val="bg1"/>
                   </a:solidFill>
@@ -3955,14 +3955,24 @@
                 <a:t> </a:t>
               </a:r>
               <a:r>
-                <a:rPr kumimoji="1" lang="en-US" altLang="ja-JP" sz="2800" b="1" dirty="0">
+                <a:rPr lang="en-US" altLang="ja-JP" sz="2800" b="1" dirty="0">
                   <a:solidFill>
                     <a:schemeClr val="bg1"/>
                   </a:solidFill>
                   <a:latin typeface="ＭＳ ゴシック" panose="020B0609070205080204" pitchFamily="49" charset="-128"/>
                   <a:ea typeface="ＭＳ ゴシック" panose="020B0609070205080204" pitchFamily="49" charset="-128"/>
                 </a:rPr>
-                <a:t>Akita</a:t>
+                <a:t>College </a:t>
+              </a:r>
+              <a:r>
+                <a:rPr lang="en-US" altLang="ja-JP" sz="2800" b="1" dirty="0" err="1">
+                  <a:solidFill>
+                    <a:schemeClr val="bg1"/>
+                  </a:solidFill>
+                  <a:latin typeface="ＭＳ ゴシック" panose="020B0609070205080204" pitchFamily="49" charset="-128"/>
+                  <a:ea typeface="ＭＳ ゴシック" panose="020B0609070205080204" pitchFamily="49" charset="-128"/>
+                </a:rPr>
+                <a:t>Robocon</a:t>
               </a:r>
               <a:endParaRPr kumimoji="1" lang="ja-JP" altLang="en-US" sz="2800" b="1" dirty="0">
                 <a:solidFill>
